--- a/story_board_buttonAction4.pptx
+++ b/story_board_buttonAction4.pptx
@@ -147,6 +147,35 @@
     </p:ext>
   </p:extLst>
 </p:presentation>
+</file>
+
+<file path=ppt/changesInfos/changesInfo1.xml><?xml version="1.0" encoding="utf-8"?>
+<pc:chgInfo xmlns:a="http://schemas.openxmlformats.org/drawingml/2006/main" xmlns:r="http://schemas.openxmlformats.org/officeDocument/2006/relationships" xmlns:ac="http://schemas.microsoft.com/office/drawing/2013/main/command" xmlns:pc="http://schemas.microsoft.com/office/powerpoint/2013/main/command">
+  <pc:docChgLst>
+    <pc:chgData name="Sam Haley" userId="2921b71b9664ecdd" providerId="LiveId" clId="{737BB8F6-2DFC-4CE9-8855-3C516F60F1EC}"/>
+    <pc:docChg chg="modSld">
+      <pc:chgData name="Sam Haley" userId="2921b71b9664ecdd" providerId="LiveId" clId="{737BB8F6-2DFC-4CE9-8855-3C516F60F1EC}" dt="2019-02-25T22:28:15.933" v="17" actId="20577"/>
+      <pc:docMkLst>
+        <pc:docMk/>
+      </pc:docMkLst>
+      <pc:sldChg chg="modSp">
+        <pc:chgData name="Sam Haley" userId="2921b71b9664ecdd" providerId="LiveId" clId="{737BB8F6-2DFC-4CE9-8855-3C516F60F1EC}" dt="2019-02-25T22:28:15.933" v="17" actId="20577"/>
+        <pc:sldMkLst>
+          <pc:docMk/>
+          <pc:sldMk cId="3025874699" sldId="257"/>
+        </pc:sldMkLst>
+        <pc:spChg chg="mod">
+          <ac:chgData name="Sam Haley" userId="2921b71b9664ecdd" providerId="LiveId" clId="{737BB8F6-2DFC-4CE9-8855-3C516F60F1EC}" dt="2019-02-25T22:28:15.933" v="17" actId="20577"/>
+          <ac:spMkLst>
+            <pc:docMk/>
+            <pc:sldMk cId="3025874699" sldId="257"/>
+            <ac:spMk id="2" creationId="{00000000-0000-0000-0000-000000000000}"/>
+          </ac:spMkLst>
+        </pc:spChg>
+      </pc:sldChg>
+    </pc:docChg>
+  </pc:docChgLst>
+</pc:chgInfo>
 </file>
 
 <file path=ppt/notesMasters/notesMaster1.xml><?xml version="1.0" encoding="utf-8"?>
@@ -6825,13 +6854,18 @@
           <a:p>
             <a:pPr algn="ctr"/>
             <a:r>
-              <a:rPr lang="en-GB" dirty="0">
+              <a:rPr lang="en-GB">
                 <a:solidFill>
                   <a:schemeClr val="bg1"/>
                 </a:solidFill>
               </a:rPr>
-              <a:t>Cost (£)</a:t>
+              <a:t>Energy Usage (kwh)</a:t>
             </a:r>
+            <a:endParaRPr lang="en-GB" dirty="0">
+              <a:solidFill>
+                <a:schemeClr val="bg1"/>
+              </a:solidFill>
+            </a:endParaRPr>
           </a:p>
         </p:txBody>
       </p:sp>
